--- a/Crowds .pptx
+++ b/Crowds .pptx
@@ -525,18 +525,6 @@
           <a:bodyPr/>
           <a:lstStyle/>
           <a:p>
-            <a:r>
-              <a:rPr lang="en-US" dirty="0" smtClean="0"/>
-              <a:t>Kind of a broad topic </a:t>
-            </a:r>
-            <a:r>
-              <a:rPr lang="mr-IN" dirty="0" smtClean="0"/>
-              <a:t>–</a:t>
-            </a:r>
-            <a:r>
-              <a:rPr lang="en-US" dirty="0" smtClean="0"/>
-              <a:t> it’s hard to define and it spills over into other areas </a:t>
-            </a:r>
             <a:endParaRPr lang="en-US" dirty="0"/>
           </a:p>
         </p:txBody>
